--- a/Week 1/011 - Lesson 1 - Wiring Diagram (Red LED) (WEEK 1).pptx
+++ b/Week 1/011 - Lesson 1 - Wiring Diagram (Red LED) (WEEK 1).pptx
@@ -206,7 +206,7 @@
           <a:p>
             <a:fld id="{31D153C5-F0C0-403F-978C-F4604CB117C2}" type="datetimeFigureOut">
               <a:rPr lang="en-US" smtClean="0"/>
-              <a:t>2/4/2023</a:t>
+              <a:t>2/10/2023</a:t>
             </a:fld>
             <a:endParaRPr lang="en-US"/>
           </a:p>
@@ -620,7 +620,7 @@
           <a:p>
             <a:fld id="{0BF21002-2338-4F30-B7B5-98AFDDC34595}" type="datetime1">
               <a:rPr lang="en-US" smtClean="0"/>
-              <a:t>2/4/2023</a:t>
+              <a:t>2/10/2023</a:t>
             </a:fld>
             <a:endParaRPr lang="en-US"/>
           </a:p>
@@ -818,7 +818,7 @@
           <a:p>
             <a:fld id="{9630ED5F-D533-4F8A-8938-C44160728C21}" type="datetime1">
               <a:rPr lang="en-US" smtClean="0"/>
-              <a:t>2/4/2023</a:t>
+              <a:t>2/10/2023</a:t>
             </a:fld>
             <a:endParaRPr lang="en-US"/>
           </a:p>
@@ -1026,7 +1026,7 @@
           <a:p>
             <a:fld id="{040B0FA5-B461-436A-95C1-8B0C114FF47D}" type="datetime1">
               <a:rPr lang="en-US" smtClean="0"/>
-              <a:t>2/4/2023</a:t>
+              <a:t>2/10/2023</a:t>
             </a:fld>
             <a:endParaRPr lang="en-US"/>
           </a:p>
@@ -1224,7 +1224,7 @@
           <a:p>
             <a:fld id="{2779D29A-F42D-4592-A7ED-25A8C89B0DE1}" type="datetime1">
               <a:rPr lang="en-US" smtClean="0"/>
-              <a:t>2/4/2023</a:t>
+              <a:t>2/10/2023</a:t>
             </a:fld>
             <a:endParaRPr lang="en-US"/>
           </a:p>
@@ -1499,7 +1499,7 @@
           <a:p>
             <a:fld id="{4B621F83-A89B-4D97-8FDB-0BF331B19E5E}" type="datetime1">
               <a:rPr lang="en-US" smtClean="0"/>
-              <a:t>2/4/2023</a:t>
+              <a:t>2/10/2023</a:t>
             </a:fld>
             <a:endParaRPr lang="en-US"/>
           </a:p>
@@ -1764,7 +1764,7 @@
           <a:p>
             <a:fld id="{629D6FB7-2F37-406C-8DE4-CAB8B9C14655}" type="datetime1">
               <a:rPr lang="en-US" smtClean="0"/>
-              <a:t>2/4/2023</a:t>
+              <a:t>2/10/2023</a:t>
             </a:fld>
             <a:endParaRPr lang="en-US"/>
           </a:p>
@@ -2176,7 +2176,7 @@
           <a:p>
             <a:fld id="{BB0225EC-46FD-471E-A995-C8E5ACA62C7D}" type="datetime1">
               <a:rPr lang="en-US" smtClean="0"/>
-              <a:t>2/4/2023</a:t>
+              <a:t>2/10/2023</a:t>
             </a:fld>
             <a:endParaRPr lang="en-US"/>
           </a:p>
@@ -2317,7 +2317,7 @@
           <a:p>
             <a:fld id="{FDC2E0B4-A8EC-45E4-A0C5-3440B369C63D}" type="datetime1">
               <a:rPr lang="en-US" smtClean="0"/>
-              <a:t>2/4/2023</a:t>
+              <a:t>2/10/2023</a:t>
             </a:fld>
             <a:endParaRPr lang="en-US"/>
           </a:p>
@@ -2430,7 +2430,7 @@
           <a:p>
             <a:fld id="{64ADCF2D-8297-4B84-8E44-B652665F907B}" type="datetime1">
               <a:rPr lang="en-US" smtClean="0"/>
-              <a:t>2/4/2023</a:t>
+              <a:t>2/10/2023</a:t>
             </a:fld>
             <a:endParaRPr lang="en-US"/>
           </a:p>
@@ -2741,7 +2741,7 @@
           <a:p>
             <a:fld id="{44859A8B-065E-477A-B31D-C040B44246DD}" type="datetime1">
               <a:rPr lang="en-US" smtClean="0"/>
-              <a:t>2/4/2023</a:t>
+              <a:t>2/10/2023</a:t>
             </a:fld>
             <a:endParaRPr lang="en-US"/>
           </a:p>
@@ -3029,7 +3029,7 @@
           <a:p>
             <a:fld id="{94AB9BDF-EF6C-4C56-9772-48BCEF800068}" type="datetime1">
               <a:rPr lang="en-US" smtClean="0"/>
-              <a:t>2/4/2023</a:t>
+              <a:t>2/10/2023</a:t>
             </a:fld>
             <a:endParaRPr lang="en-US"/>
           </a:p>
@@ -3270,7 +3270,7 @@
           <a:p>
             <a:fld id="{608CB8E9-5638-4456-AA2B-5B70D7F85D9D}" type="datetime1">
               <a:rPr lang="en-US" smtClean="0"/>
-              <a:t>2/4/2023</a:t>
+              <a:t>2/10/2023</a:t>
             </a:fld>
             <a:endParaRPr lang="en-US"/>
           </a:p>
@@ -3715,7 +3715,7 @@
               <a:rPr lang="en-US" sz="4400" b="1" dirty="0">
                 <a:latin typeface="+mn-lt"/>
               </a:rPr>
-              <a:t>Wiring an LED</a:t>
+              <a:t>Lesson #1</a:t>
             </a:r>
           </a:p>
         </p:txBody>
@@ -3738,12 +3738,32 @@
         </p:nvSpPr>
         <p:spPr/>
         <p:txBody>
-          <a:bodyPr/>
+          <a:bodyPr>
+            <a:normAutofit lnSpcReduction="10000"/>
+          </a:bodyPr>
           <a:lstStyle/>
           <a:p>
             <a:r>
               <a:rPr lang="en-US" dirty="0"/>
-              <a:t>Lesson #1</a:t>
+              <a:t>Integrated Development Environment</a:t>
+            </a:r>
+          </a:p>
+          <a:p>
+            <a:r>
+              <a:rPr lang="en-US" dirty="0"/>
+              <a:t>Variables and Data Types</a:t>
+            </a:r>
+          </a:p>
+          <a:p>
+            <a:r>
+              <a:rPr lang="en-US" dirty="0"/>
+              <a:t>Libraries</a:t>
+            </a:r>
+          </a:p>
+          <a:p>
+            <a:r>
+              <a:rPr lang="en-US" dirty="0"/>
+              <a:t>Algorithm</a:t>
             </a:r>
           </a:p>
         </p:txBody>
